--- a/Daily Agendas/Day8.1_ProgrammingAssignment1.pptx
+++ b/Daily Agendas/Day8.1_ProgrammingAssignment1.pptx
@@ -208,7 +208,7 @@
           <a:p>
             <a:fld id="{02927826-3378-4ECF-BA4E-36C71D5ECCFE}" type="datetimeFigureOut">
               <a:rPr lang="en-US" smtClean="0"/>
-              <a:t>10/21/2019</a:t>
+              <a:t>10/22/2019</a:t>
             </a:fld>
             <a:endParaRPr lang="en-US"/>
           </a:p>
@@ -740,7 +740,7 @@
             <a:fld id="{1D8BD707-D9CF-40AE-B4C6-C98DA3205C09}" type="datetimeFigureOut">
               <a:rPr lang="en-US" smtClean="0"/>
               <a:pPr/>
-              <a:t>10/21/2019</a:t>
+              <a:t>10/22/2019</a:t>
             </a:fld>
             <a:endParaRPr lang="en-US"/>
           </a:p>
@@ -905,7 +905,7 @@
             <a:fld id="{1D8BD707-D9CF-40AE-B4C6-C98DA3205C09}" type="datetimeFigureOut">
               <a:rPr lang="en-US" smtClean="0"/>
               <a:pPr/>
-              <a:t>10/21/2019</a:t>
+              <a:t>10/22/2019</a:t>
             </a:fld>
             <a:endParaRPr lang="en-US"/>
           </a:p>
@@ -1080,7 +1080,7 @@
             <a:fld id="{1D8BD707-D9CF-40AE-B4C6-C98DA3205C09}" type="datetimeFigureOut">
               <a:rPr lang="en-US" smtClean="0"/>
               <a:pPr/>
-              <a:t>10/21/2019</a:t>
+              <a:t>10/22/2019</a:t>
             </a:fld>
             <a:endParaRPr lang="en-US"/>
           </a:p>
@@ -1245,7 +1245,7 @@
             <a:fld id="{1D8BD707-D9CF-40AE-B4C6-C98DA3205C09}" type="datetimeFigureOut">
               <a:rPr lang="en-US" smtClean="0"/>
               <a:pPr/>
-              <a:t>10/21/2019</a:t>
+              <a:t>10/22/2019</a:t>
             </a:fld>
             <a:endParaRPr lang="en-US"/>
           </a:p>
@@ -1487,7 +1487,7 @@
             <a:fld id="{1D8BD707-D9CF-40AE-B4C6-C98DA3205C09}" type="datetimeFigureOut">
               <a:rPr lang="en-US" smtClean="0"/>
               <a:pPr/>
-              <a:t>10/21/2019</a:t>
+              <a:t>10/22/2019</a:t>
             </a:fld>
             <a:endParaRPr lang="en-US"/>
           </a:p>
@@ -1769,7 +1769,7 @@
             <a:fld id="{1D8BD707-D9CF-40AE-B4C6-C98DA3205C09}" type="datetimeFigureOut">
               <a:rPr lang="en-US" smtClean="0"/>
               <a:pPr/>
-              <a:t>10/21/2019</a:t>
+              <a:t>10/22/2019</a:t>
             </a:fld>
             <a:endParaRPr lang="en-US"/>
           </a:p>
@@ -2185,7 +2185,7 @@
             <a:fld id="{1D8BD707-D9CF-40AE-B4C6-C98DA3205C09}" type="datetimeFigureOut">
               <a:rPr lang="en-US" smtClean="0"/>
               <a:pPr/>
-              <a:t>10/21/2019</a:t>
+              <a:t>10/22/2019</a:t>
             </a:fld>
             <a:endParaRPr lang="en-US"/>
           </a:p>
@@ -2299,7 +2299,7 @@
             <a:fld id="{1D8BD707-D9CF-40AE-B4C6-C98DA3205C09}" type="datetimeFigureOut">
               <a:rPr lang="en-US" smtClean="0"/>
               <a:pPr/>
-              <a:t>10/21/2019</a:t>
+              <a:t>10/22/2019</a:t>
             </a:fld>
             <a:endParaRPr lang="en-US"/>
           </a:p>
@@ -2391,7 +2391,7 @@
             <a:fld id="{1D8BD707-D9CF-40AE-B4C6-C98DA3205C09}" type="datetimeFigureOut">
               <a:rPr lang="en-US" smtClean="0"/>
               <a:pPr/>
-              <a:t>10/21/2019</a:t>
+              <a:t>10/22/2019</a:t>
             </a:fld>
             <a:endParaRPr lang="en-US"/>
           </a:p>
@@ -2663,7 +2663,7 @@
             <a:fld id="{1D8BD707-D9CF-40AE-B4C6-C98DA3205C09}" type="datetimeFigureOut">
               <a:rPr lang="en-US" smtClean="0"/>
               <a:pPr/>
-              <a:t>10/21/2019</a:t>
+              <a:t>10/22/2019</a:t>
             </a:fld>
             <a:endParaRPr lang="en-US"/>
           </a:p>
@@ -2912,7 +2912,7 @@
             <a:fld id="{1D8BD707-D9CF-40AE-B4C6-C98DA3205C09}" type="datetimeFigureOut">
               <a:rPr lang="en-US" smtClean="0"/>
               <a:pPr/>
-              <a:t>10/21/2019</a:t>
+              <a:t>10/22/2019</a:t>
             </a:fld>
             <a:endParaRPr lang="en-US"/>
           </a:p>
@@ -3120,7 +3120,7 @@
             <a:fld id="{1D8BD707-D9CF-40AE-B4C6-C98DA3205C09}" type="datetimeFigureOut">
               <a:rPr lang="en-US" smtClean="0"/>
               <a:pPr/>
-              <a:t>10/21/2019</a:t>
+              <a:t>10/22/2019</a:t>
             </a:fld>
             <a:endParaRPr lang="en-US"/>
           </a:p>
@@ -3510,15 +3510,7 @@
           <a:p>
             <a:r>
               <a:rPr lang="en-US" dirty="0" smtClean="0"/>
-              <a:t>Programming Assignment #1 – </a:t>
-            </a:r>
-            <a:r>
-              <a:rPr lang="en-US" dirty="0" smtClean="0"/>
-              <a:t>Oct </a:t>
-            </a:r>
-            <a:r>
-              <a:rPr lang="en-US" dirty="0" smtClean="0"/>
-              <a:t>21</a:t>
+              <a:t>Programming Assignment #1 – Oct 21</a:t>
             </a:r>
             <a:endParaRPr lang="en-US" dirty="0"/>
           </a:p>
@@ -3537,7 +3529,7 @@
         <p:spPr/>
         <p:txBody>
           <a:bodyPr>
-            <a:normAutofit fontScale="92500" lnSpcReduction="20000"/>
+            <a:normAutofit fontScale="92500" lnSpcReduction="10000"/>
           </a:bodyPr>
           <a:lstStyle/>
           <a:p>
@@ -3550,17 +3542,13 @@
           <a:p>
             <a:pPr lvl="1"/>
             <a:r>
+              <a:rPr lang="en-CA" smtClean="0"/>
+              <a:t>Programming </a:t>
+            </a:r>
+            <a:r>
               <a:rPr lang="en-CA" dirty="0" smtClean="0"/>
-              <a:t>Supply Day</a:t>
-            </a:r>
-          </a:p>
-          <a:p>
-            <a:pPr lvl="1"/>
-            <a:r>
-              <a:rPr lang="en-CA" dirty="0" smtClean="0"/>
-              <a:t>Programming Assignment #1</a:t>
-            </a:r>
-            <a:endParaRPr lang="en-CA" dirty="0" smtClean="0"/>
+              <a:t>Assignment #1</a:t>
+            </a:r>
           </a:p>
           <a:p>
             <a:pPr lvl="2"/>
@@ -3568,7 +3556,6 @@
               <a:rPr lang="en-CA" dirty="0" smtClean="0"/>
               <a:t>Class time: Today &amp; Tomorrow</a:t>
             </a:r>
-            <a:endParaRPr lang="en-CA" dirty="0" smtClean="0"/>
           </a:p>
           <a:p>
             <a:pPr lvl="2"/>
@@ -3576,7 +3563,6 @@
               <a:rPr lang="en-CA" dirty="0" smtClean="0"/>
               <a:t>Due: Thursday</a:t>
             </a:r>
-            <a:endParaRPr lang="en-CA" dirty="0" smtClean="0"/>
           </a:p>
           <a:p>
             <a:pPr lvl="1"/>
@@ -3598,7 +3584,6 @@
               <a:rPr lang="en-CA" dirty="0" smtClean="0"/>
               <a:t>Brochure Due Wednesday</a:t>
             </a:r>
-            <a:endParaRPr lang="en-CA" dirty="0" smtClean="0"/>
           </a:p>
           <a:p>
             <a:pPr lvl="1">
@@ -3616,11 +3601,7 @@
             <a:pPr lvl="1"/>
             <a:r>
               <a:rPr lang="en-CA" sz="2400" dirty="0" smtClean="0"/>
-              <a:t>Wed</a:t>
-            </a:r>
-            <a:r>
-              <a:rPr lang="en-CA" sz="2400" dirty="0" smtClean="0"/>
-              <a:t>, Oct 23 : Brochure Due</a:t>
+              <a:t>Wed, Oct 23 : Brochure Due</a:t>
             </a:r>
             <a:endParaRPr lang="en-US" sz="2400" dirty="0"/>
           </a:p>
